--- a/Working IndiaHacks/BULL STOCK.pptx
+++ b/Working IndiaHacks/BULL STOCK.pptx
@@ -5,31 +5,28 @@
     <p:sldMasterId id="2147483663" r:id="rId1"/>
   </p:sldMasterIdLst>
   <p:notesMasterIdLst>
-    <p:notesMasterId r:id="rId21"/>
+    <p:notesMasterId r:id="rId18"/>
   </p:notesMasterIdLst>
   <p:handoutMasterIdLst>
-    <p:handoutMasterId r:id="rId22"/>
+    <p:handoutMasterId r:id="rId19"/>
   </p:handoutMasterIdLst>
   <p:sldIdLst>
     <p:sldId id="256" r:id="rId2"/>
     <p:sldId id="257" r:id="rId3"/>
     <p:sldId id="268" r:id="rId4"/>
-    <p:sldId id="258" r:id="rId5"/>
-    <p:sldId id="259" r:id="rId6"/>
-    <p:sldId id="260" r:id="rId7"/>
-    <p:sldId id="261" r:id="rId8"/>
-    <p:sldId id="269" r:id="rId9"/>
-    <p:sldId id="270" r:id="rId10"/>
-    <p:sldId id="271" r:id="rId11"/>
-    <p:sldId id="272" r:id="rId12"/>
-    <p:sldId id="262" r:id="rId13"/>
-    <p:sldId id="263" r:id="rId14"/>
-    <p:sldId id="273" r:id="rId15"/>
-    <p:sldId id="274" r:id="rId16"/>
-    <p:sldId id="264" r:id="rId17"/>
-    <p:sldId id="265" r:id="rId18"/>
-    <p:sldId id="266" r:id="rId19"/>
-    <p:sldId id="267" r:id="rId20"/>
+    <p:sldId id="259" r:id="rId5"/>
+    <p:sldId id="260" r:id="rId6"/>
+    <p:sldId id="261" r:id="rId7"/>
+    <p:sldId id="269" r:id="rId8"/>
+    <p:sldId id="270" r:id="rId9"/>
+    <p:sldId id="271" r:id="rId10"/>
+    <p:sldId id="272" r:id="rId11"/>
+    <p:sldId id="262" r:id="rId12"/>
+    <p:sldId id="263" r:id="rId13"/>
+    <p:sldId id="273" r:id="rId14"/>
+    <p:sldId id="275" r:id="rId15"/>
+    <p:sldId id="276" r:id="rId16"/>
+    <p:sldId id="274" r:id="rId17"/>
   </p:sldIdLst>
   <p:sldSz cx="9144000" cy="6858000" type="screen4x3"/>
   <p:notesSz cx="6997700" cy="9283700"/>
@@ -651,7 +648,7 @@
         <p:nvSpPr>
           <p:cNvPr id="33796" name="Rectangle 4"/>
           <p:cNvSpPr>
-            <a:spLocks noRot="1" noChangeArrowheads="1" noTextEdit="1"/>
+            <a:spLocks noGrp="1" noRot="1" noChangeAspect="1" noChangeArrowheads="1" noTextEdit="1"/>
           </p:cNvSpPr>
           <p:nvPr>
             <p:ph type="sldImg" idx="2"/>
@@ -1063,90 +1060,6 @@
     </a:lvl9pPr>
   </p:notesStyle>
 </p:notesMaster>
-</file>
-
-<file path=ppt/notesSlides/notesSlide1.xml><?xml version="1.0" encoding="utf-8"?>
-<p:notes xmlns:a="http://schemas.openxmlformats.org/drawingml/2006/main" xmlns:r="http://schemas.openxmlformats.org/officeDocument/2006/relationships" xmlns:p="http://schemas.openxmlformats.org/presentationml/2006/main">
-  <p:cSld>
-    <p:spTree>
-      <p:nvGrpSpPr>
-        <p:cNvPr id="1" name=""/>
-        <p:cNvGrpSpPr/>
-        <p:nvPr/>
-      </p:nvGrpSpPr>
-      <p:grpSpPr>
-        <a:xfrm>
-          <a:off x="0" y="0"/>
-          <a:ext cx="0" cy="0"/>
-          <a:chOff x="0" y="0"/>
-          <a:chExt cx="0" cy="0"/>
-        </a:xfrm>
-      </p:grpSpPr>
-      <p:sp>
-        <p:nvSpPr>
-          <p:cNvPr id="7" name="Rectangle 7"/>
-          <p:cNvSpPr>
-            <a:spLocks noGrp="1" noChangeArrowheads="1"/>
-          </p:cNvSpPr>
-          <p:nvPr>
-            <p:ph type="sldNum" sz="quarter" idx="5"/>
-          </p:nvPr>
-        </p:nvSpPr>
-        <p:spPr>
-          <a:ln/>
-        </p:spPr>
-        <p:txBody>
-          <a:bodyPr/>
-          <a:lstStyle/>
-          <a:p>
-            <a:fld id="{3BBBC8E3-CA54-42DA-B0A6-AEE7F0340C74}" type="slidenum">
-              <a:rPr lang="en-IN"/>
-              <a:pPr/>
-              <a:t>19</a:t>
-            </a:fld>
-            <a:endParaRPr lang="en-IN"/>
-          </a:p>
-        </p:txBody>
-      </p:sp>
-      <p:sp>
-        <p:nvSpPr>
-          <p:cNvPr id="34818" name="Rectangle 2"/>
-          <p:cNvSpPr>
-            <a:spLocks noRot="1" noChangeArrowheads="1" noTextEdit="1"/>
-          </p:cNvSpPr>
-          <p:nvPr>
-            <p:ph type="sldImg"/>
-          </p:nvPr>
-        </p:nvSpPr>
-        <p:spPr>
-          <a:ln/>
-        </p:spPr>
-      </p:sp>
-      <p:sp>
-        <p:nvSpPr>
-          <p:cNvPr id="34819" name="Rectangle 3"/>
-          <p:cNvSpPr>
-            <a:spLocks noGrp="1" noChangeArrowheads="1"/>
-          </p:cNvSpPr>
-          <p:nvPr>
-            <p:ph type="body" idx="1"/>
-          </p:nvPr>
-        </p:nvSpPr>
-        <p:spPr/>
-        <p:txBody>
-          <a:bodyPr/>
-          <a:lstStyle/>
-          <a:p>
-            <a:endParaRPr lang="en-US"/>
-          </a:p>
-        </p:txBody>
-      </p:sp>
-    </p:spTree>
-  </p:cSld>
-  <p:clrMapOvr>
-    <a:masterClrMapping/>
-  </p:clrMapOvr>
-</p:notes>
 </file>
 
 <file path=ppt/slideLayouts/slideLayout1.xml><?xml version="1.0" encoding="utf-8"?>
@@ -4524,64 +4437,26 @@
           </a:p>
           <a:p>
             <a:pPr algn="r"/>
+            <a:r>
+              <a:rPr lang="en-US" dirty="0" err="1" smtClean="0"/>
+              <a:t>Vishwanath</a:t>
+            </a:r>
+            <a:r>
+              <a:rPr lang="en-US" dirty="0" smtClean="0"/>
+              <a:t> </a:t>
+            </a:r>
+            <a:r>
+              <a:rPr lang="en-US" dirty="0" err="1" smtClean="0"/>
+              <a:t>Kulkarni</a:t>
+            </a:r>
+            <a:endParaRPr lang="en-US" dirty="0" smtClean="0"/>
+          </a:p>
+          <a:p>
+            <a:pPr algn="r"/>
             <a:endParaRPr lang="en-IN" dirty="0"/>
           </a:p>
         </p:txBody>
       </p:sp>
-      <p:pic>
-        <p:nvPicPr>
-          <p:cNvPr id="16390" name="Picture 6" descr="Logo placeholder"/>
-          <p:cNvPicPr>
-            <a:picLocks noChangeAspect="1" noChangeArrowheads="1"/>
-          </p:cNvPicPr>
-          <p:nvPr/>
-        </p:nvPicPr>
-        <p:blipFill>
-          <a:blip r:embed="rId2">
-            <a:extLst>
-              <a:ext uri="{28A0092B-C50C-407E-A947-70E740481C1C}">
-                <a14:useLocalDpi xmlns:a14="http://schemas.microsoft.com/office/drawing/2010/main" val="0"/>
-              </a:ext>
-            </a:extLst>
-          </a:blip>
-          <a:srcRect/>
-          <a:stretch>
-            <a:fillRect/>
-          </a:stretch>
-        </p:blipFill>
-        <p:spPr bwMode="auto">
-          <a:xfrm>
-            <a:off x="7769225" y="5940425"/>
-            <a:ext cx="855663" cy="428625"/>
-          </a:xfrm>
-          <a:prstGeom prst="rect">
-            <a:avLst/>
-          </a:prstGeom>
-          <a:noFill/>
-          <a:ln>
-            <a:noFill/>
-          </a:ln>
-          <a:extLst>
-            <a:ext uri="{909E8E84-426E-40DD-AFC4-6F175D3DCCD1}">
-              <a14:hiddenFill xmlns:a14="http://schemas.microsoft.com/office/drawing/2010/main">
-                <a:solidFill>
-                  <a:srgbClr val="FFFFFF"/>
-                </a:solidFill>
-              </a14:hiddenFill>
-            </a:ext>
-            <a:ext uri="{91240B29-F687-4F45-9708-019B960494DF}">
-              <a14:hiddenLine xmlns:a14="http://schemas.microsoft.com/office/drawing/2010/main" w="9525">
-                <a:solidFill>
-                  <a:srgbClr val="000000"/>
-                </a:solidFill>
-                <a:miter lim="800000"/>
-                <a:headEnd/>
-                <a:tailEnd/>
-              </a14:hiddenLine>
-            </a:ext>
-          </a:extLst>
-        </p:spPr>
-      </p:pic>
     </p:spTree>
   </p:cSld>
   <p:clrMapOvr>
@@ -4630,121 +4505,8 @@
           <a:lstStyle/>
           <a:p>
             <a:r>
-              <a:rPr lang="en-US" dirty="0" smtClean="0"/>
+              <a:rPr lang="en-US" dirty="0"/>
               <a:t>Screenshots</a:t>
-            </a:r>
-            <a:endParaRPr lang="en-IN" dirty="0"/>
-          </a:p>
-        </p:txBody>
-      </p:sp>
-      <p:sp>
-        <p:nvSpPr>
-          <p:cNvPr id="3" name="Content Placeholder 2"/>
-          <p:cNvSpPr>
-            <a:spLocks noGrp="1"/>
-          </p:cNvSpPr>
-          <p:nvPr>
-            <p:ph idx="1"/>
-          </p:nvPr>
-        </p:nvSpPr>
-        <p:spPr/>
-        <p:txBody>
-          <a:bodyPr/>
-          <a:lstStyle/>
-          <a:p>
-            <a:endParaRPr lang="en-IN"/>
-          </a:p>
-        </p:txBody>
-      </p:sp>
-      <p:pic>
-        <p:nvPicPr>
-          <p:cNvPr id="69634" name="Picture 2" descr="C:\Users\Windows 8\Desktop\BullStock\Working IndiaHacks\Images\webImg1.png"/>
-          <p:cNvPicPr>
-            <a:picLocks noChangeAspect="1" noChangeArrowheads="1"/>
-          </p:cNvPicPr>
-          <p:nvPr/>
-        </p:nvPicPr>
-        <p:blipFill>
-          <a:blip r:embed="rId2">
-            <a:extLst>
-              <a:ext uri="{28A0092B-C50C-407E-A947-70E740481C1C}">
-                <a14:useLocalDpi xmlns:a14="http://schemas.microsoft.com/office/drawing/2010/main" val="0"/>
-              </a:ext>
-            </a:extLst>
-          </a:blip>
-          <a:srcRect/>
-          <a:stretch>
-            <a:fillRect/>
-          </a:stretch>
-        </p:blipFill>
-        <p:spPr bwMode="auto">
-          <a:xfrm>
-            <a:off x="1905000" y="1447800"/>
-            <a:ext cx="6962775" cy="4800600"/>
-          </a:xfrm>
-          <a:prstGeom prst="rect">
-            <a:avLst/>
-          </a:prstGeom>
-          <a:noFill/>
-          <a:extLst>
-            <a:ext uri="{909E8E84-426E-40DD-AFC4-6F175D3DCCD1}">
-              <a14:hiddenFill xmlns:a14="http://schemas.microsoft.com/office/drawing/2010/main">
-                <a:solidFill>
-                  <a:srgbClr val="FFFFFF"/>
-                </a:solidFill>
-              </a14:hiddenFill>
-            </a:ext>
-          </a:extLst>
-        </p:spPr>
-      </p:pic>
-    </p:spTree>
-    <p:extLst>
-      <p:ext uri="{BB962C8B-B14F-4D97-AF65-F5344CB8AC3E}">
-        <p14:creationId xmlns:p14="http://schemas.microsoft.com/office/powerpoint/2010/main" val="1720226588"/>
-      </p:ext>
-    </p:extLst>
-  </p:cSld>
-  <p:clrMapOvr>
-    <a:masterClrMapping/>
-  </p:clrMapOvr>
-</p:sld>
-</file>
-
-<file path=ppt/slides/slide11.xml><?xml version="1.0" encoding="utf-8"?>
-<p:sld xmlns:a="http://schemas.openxmlformats.org/drawingml/2006/main" xmlns:r="http://schemas.openxmlformats.org/officeDocument/2006/relationships" xmlns:p="http://schemas.openxmlformats.org/presentationml/2006/main">
-  <p:cSld>
-    <p:spTree>
-      <p:nvGrpSpPr>
-        <p:cNvPr id="1" name=""/>
-        <p:cNvGrpSpPr/>
-        <p:nvPr/>
-      </p:nvGrpSpPr>
-      <p:grpSpPr>
-        <a:xfrm>
-          <a:off x="0" y="0"/>
-          <a:ext cx="0" cy="0"/>
-          <a:chOff x="0" y="0"/>
-          <a:chExt cx="0" cy="0"/>
-        </a:xfrm>
-      </p:grpSpPr>
-      <p:sp>
-        <p:nvSpPr>
-          <p:cNvPr id="2" name="Title 1"/>
-          <p:cNvSpPr>
-            <a:spLocks noGrp="1"/>
-          </p:cNvSpPr>
-          <p:nvPr>
-            <p:ph type="title"/>
-          </p:nvPr>
-        </p:nvSpPr>
-        <p:spPr/>
-        <p:txBody>
-          <a:bodyPr/>
-          <a:lstStyle/>
-          <a:p>
-            <a:r>
-              <a:rPr lang="en-US" dirty="0" err="1" smtClean="0"/>
-              <a:t>ScreenShots</a:t>
             </a:r>
             <a:endParaRPr lang="en-IN" dirty="0"/>
           </a:p>
@@ -4803,6 +4565,112 @@
   <p:clrMapOvr>
     <a:masterClrMapping/>
   </p:clrMapOvr>
+  <p:timing>
+    <p:tnLst>
+      <p:par>
+        <p:cTn id="1" dur="indefinite" restart="never" nodeType="tmRoot"/>
+      </p:par>
+    </p:tnLst>
+  </p:timing>
+</p:sld>
+</file>
+
+<file path=ppt/slides/slide11.xml><?xml version="1.0" encoding="utf-8"?>
+<p:sld xmlns:a="http://schemas.openxmlformats.org/drawingml/2006/main" xmlns:r="http://schemas.openxmlformats.org/officeDocument/2006/relationships" xmlns:p="http://schemas.openxmlformats.org/presentationml/2006/main">
+  <p:cSld>
+    <p:spTree>
+      <p:nvGrpSpPr>
+        <p:cNvPr id="1" name=""/>
+        <p:cNvGrpSpPr/>
+        <p:nvPr/>
+      </p:nvGrpSpPr>
+      <p:grpSpPr>
+        <a:xfrm>
+          <a:off x="0" y="0"/>
+          <a:ext cx="0" cy="0"/>
+          <a:chOff x="0" y="0"/>
+          <a:chExt cx="0" cy="0"/>
+        </a:xfrm>
+      </p:grpSpPr>
+      <p:sp>
+        <p:nvSpPr>
+          <p:cNvPr id="22530" name="Rectangle 2"/>
+          <p:cNvSpPr>
+            <a:spLocks noGrp="1" noChangeArrowheads="1"/>
+          </p:cNvSpPr>
+          <p:nvPr>
+            <p:ph type="title"/>
+          </p:nvPr>
+        </p:nvSpPr>
+        <p:spPr>
+          <a:xfrm>
+            <a:off x="1828800" y="228600"/>
+            <a:ext cx="6934200" cy="1066800"/>
+          </a:xfrm>
+        </p:spPr>
+        <p:txBody>
+          <a:bodyPr/>
+          <a:lstStyle/>
+          <a:p>
+            <a:r>
+              <a:rPr lang="en-US" dirty="0" smtClean="0"/>
+              <a:t>Challenges faced</a:t>
+            </a:r>
+            <a:endParaRPr lang="en-IN" dirty="0"/>
+          </a:p>
+        </p:txBody>
+      </p:sp>
+      <p:sp>
+        <p:nvSpPr>
+          <p:cNvPr id="22531" name="Rectangle 3"/>
+          <p:cNvSpPr>
+            <a:spLocks noGrp="1" noChangeArrowheads="1"/>
+          </p:cNvSpPr>
+          <p:nvPr>
+            <p:ph type="body" idx="1"/>
+          </p:nvPr>
+        </p:nvSpPr>
+        <p:spPr/>
+        <p:txBody>
+          <a:bodyPr/>
+          <a:lstStyle/>
+          <a:p>
+            <a:r>
+              <a:rPr lang="en-US" dirty="0" smtClean="0"/>
+              <a:t>Storing data and getting its analytics.</a:t>
+            </a:r>
+          </a:p>
+          <a:p>
+            <a:r>
+              <a:rPr lang="en-US" dirty="0" smtClean="0"/>
+              <a:t>Maintaining ACID properties for buying and selling of shares.</a:t>
+            </a:r>
+          </a:p>
+          <a:p>
+            <a:r>
+              <a:rPr lang="en-US" dirty="0" err="1" smtClean="0"/>
+              <a:t>Analysing</a:t>
+            </a:r>
+            <a:r>
+              <a:rPr lang="en-US" dirty="0" smtClean="0"/>
+              <a:t> the data in android app.</a:t>
+            </a:r>
+            <a:endParaRPr lang="en-IN" dirty="0"/>
+          </a:p>
+        </p:txBody>
+      </p:sp>
+    </p:spTree>
+  </p:cSld>
+  <p:clrMapOvr>
+    <a:masterClrMapping/>
+  </p:clrMapOvr>
+  <p:timing>
+    <p:tnLst>
+      <p:par>
+        <p:cTn id="1" dur="indefinite" restart="never" nodeType="tmRoot"/>
+      </p:par>
+    </p:tnLst>
+  </p:timing>
 </p:sld>
 </file>
 
@@ -4825,7 +4693,7 @@
       </p:grpSpPr>
       <p:sp>
         <p:nvSpPr>
-          <p:cNvPr id="22530" name="Rectangle 2"/>
+          <p:cNvPr id="23554" name="Rectangle 2"/>
           <p:cNvSpPr>
             <a:spLocks noGrp="1" noChangeArrowheads="1"/>
           </p:cNvSpPr>
@@ -4833,19 +4701,14 @@
             <p:ph type="title"/>
           </p:nvPr>
         </p:nvSpPr>
-        <p:spPr>
-          <a:xfrm>
-            <a:off x="1828800" y="228600"/>
-            <a:ext cx="6934200" cy="1066800"/>
-          </a:xfrm>
-        </p:spPr>
+        <p:spPr/>
         <p:txBody>
           <a:bodyPr/>
           <a:lstStyle/>
           <a:p>
             <a:r>
-              <a:rPr lang="en-US" dirty="0" smtClean="0"/>
-              <a:t>Challenges faced</a:t>
+              <a:rPr lang="en-IN" dirty="0" smtClean="0"/>
+              <a:t>Future Scope</a:t>
             </a:r>
             <a:endParaRPr lang="en-IN" dirty="0"/>
           </a:p>
@@ -4853,7 +4716,7 @@
       </p:sp>
       <p:sp>
         <p:nvSpPr>
-          <p:cNvPr id="22531" name="Rectangle 3"/>
+          <p:cNvPr id="23555" name="Rectangle 3"/>
           <p:cNvSpPr>
             <a:spLocks noGrp="1" noChangeArrowheads="1"/>
           </p:cNvSpPr>
@@ -4868,23 +4731,85 @@
           <a:p>
             <a:r>
               <a:rPr lang="en-US" dirty="0" smtClean="0"/>
-              <a:t>Storing data and getting its analytics.</a:t>
-            </a:r>
-          </a:p>
-          <a:p>
+              <a:t>Oh</a:t>
+            </a:r>
+            <a:r>
+              <a:rPr lang="en-US" dirty="0"/>
+              <a:t>!</a:t>
+            </a:r>
             <a:r>
               <a:rPr lang="en-US" dirty="0" smtClean="0"/>
-              <a:t>Maintaining ACID properties for buying and selling of shares.</a:t>
-            </a:r>
-          </a:p>
-          <a:p>
-            <a:r>
-              <a:rPr lang="en-US" dirty="0" err="1" smtClean="0"/>
-              <a:t>Analysing</a:t>
-            </a:r>
+              <a:t> There is  very vast scope for this app.</a:t>
+            </a:r>
+          </a:p>
+          <a:p>
             <a:r>
               <a:rPr lang="en-US" dirty="0" smtClean="0"/>
-              <a:t> the data in android app.</a:t>
+              <a:t>Limitless because students are </a:t>
+            </a:r>
+            <a:r>
+              <a:rPr lang="en-US" dirty="0"/>
+              <a:t>I</a:t>
+            </a:r>
+            <a:r>
+              <a:rPr lang="en-US" dirty="0" smtClean="0"/>
+              <a:t>ndia’s </a:t>
+            </a:r>
+            <a:r>
+              <a:rPr lang="en-US" dirty="0" smtClean="0"/>
+              <a:t>future.</a:t>
+            </a:r>
+          </a:p>
+          <a:p>
+            <a:r>
+              <a:rPr lang="en-US" dirty="0" smtClean="0"/>
+              <a:t>Wonder for real stock exchange happening.</a:t>
+            </a:r>
+          </a:p>
+          <a:p>
+            <a:r>
+              <a:rPr lang="en-US" dirty="0" smtClean="0"/>
+              <a:t>Nearly 1511 colleges are there in </a:t>
+            </a:r>
+            <a:r>
+              <a:rPr lang="en-US" dirty="0"/>
+              <a:t>I</a:t>
+            </a:r>
+            <a:r>
+              <a:rPr lang="en-US" dirty="0" smtClean="0"/>
+              <a:t>ndia </a:t>
+            </a:r>
+            <a:r>
+              <a:rPr lang="en-US" dirty="0" smtClean="0"/>
+              <a:t>and 200 students per college, which will account for </a:t>
+            </a:r>
+            <a:r>
+              <a:rPr lang="en-US" dirty="0" smtClean="0"/>
+              <a:t>around</a:t>
+            </a:r>
+            <a:endParaRPr lang="en-US" dirty="0" smtClean="0"/>
+          </a:p>
+          <a:p>
+            <a:r>
+              <a:rPr lang="en-US" dirty="0" smtClean="0"/>
+              <a:t>1151*200 = </a:t>
+            </a:r>
+            <a:r>
+              <a:rPr lang="en-IN" dirty="0" smtClean="0">
+                <a:solidFill>
+                  <a:schemeClr val="tx1"/>
+                </a:solidFill>
+                <a:latin typeface="+mn-lt"/>
+                <a:ea typeface="+mn-ea"/>
+                <a:cs typeface="+mn-cs"/>
+              </a:rPr>
+              <a:t>230200 students every year.</a:t>
+            </a:r>
+          </a:p>
+          <a:p>
+            <a:r>
+              <a:rPr lang="en-US" dirty="0" smtClean="0"/>
+              <a:t>230200/2=115100 * 10rs =11511000 per year.</a:t>
             </a:r>
             <a:endParaRPr lang="en-IN" dirty="0"/>
           </a:p>
@@ -4924,9 +4849,9 @@
       </p:grpSpPr>
       <p:sp>
         <p:nvSpPr>
-          <p:cNvPr id="23554" name="Rectangle 2"/>
-          <p:cNvSpPr>
-            <a:spLocks noGrp="1" noChangeArrowheads="1"/>
+          <p:cNvPr id="2" name="Title 1"/>
+          <p:cNvSpPr>
+            <a:spLocks noGrp="1"/>
           </p:cNvSpPr>
           <p:nvPr>
             <p:ph type="title"/>
@@ -4938,7 +4863,7 @@
           <a:lstStyle/>
           <a:p>
             <a:r>
-              <a:rPr lang="en-IN" dirty="0" smtClean="0"/>
+              <a:rPr lang="en-US" dirty="0" smtClean="0"/>
               <a:t>Future Scope</a:t>
             </a:r>
             <a:endParaRPr lang="en-IN" dirty="0"/>
@@ -4947,12 +4872,12 @@
       </p:sp>
       <p:sp>
         <p:nvSpPr>
-          <p:cNvPr id="23555" name="Rectangle 3"/>
-          <p:cNvSpPr>
-            <a:spLocks noGrp="1" noChangeArrowheads="1"/>
-          </p:cNvSpPr>
-          <p:nvPr>
-            <p:ph type="body" idx="1"/>
+          <p:cNvPr id="3" name="Content Placeholder 2"/>
+          <p:cNvSpPr>
+            <a:spLocks noGrp="1"/>
+          </p:cNvSpPr>
+          <p:nvPr>
+            <p:ph idx="1"/>
           </p:nvPr>
         </p:nvSpPr>
         <p:spPr/>
@@ -4962,83 +4887,36 @@
           <a:p>
             <a:r>
               <a:rPr lang="en-US" dirty="0" smtClean="0"/>
-              <a:t>Oh</a:t>
-            </a:r>
-            <a:r>
-              <a:rPr lang="en-US" dirty="0"/>
-              <a:t>!</a:t>
-            </a:r>
+              <a:t>Few more additions.</a:t>
+            </a:r>
+          </a:p>
+          <a:p>
             <a:r>
               <a:rPr lang="en-US" dirty="0" smtClean="0"/>
-              <a:t> There is  very vast scope for this app.</a:t>
+              <a:t>Complete web portal with back end handling brokers.</a:t>
             </a:r>
           </a:p>
           <a:p>
             <a:r>
               <a:rPr lang="en-US" dirty="0" smtClean="0"/>
-              <a:t>Limitless because students are </a:t>
-            </a:r>
-            <a:r>
-              <a:rPr lang="en-US" dirty="0" err="1" smtClean="0"/>
-              <a:t>india’s</a:t>
-            </a:r>
+              <a:t>Investment from students to Start-ups.</a:t>
+            </a:r>
+          </a:p>
+          <a:p>
             <a:r>
               <a:rPr lang="en-US" dirty="0" smtClean="0"/>
-              <a:t> future.</a:t>
-            </a:r>
-          </a:p>
-          <a:p>
-            <a:r>
-              <a:rPr lang="en-US" dirty="0" smtClean="0"/>
-              <a:t>Wonder for real stock exchange happening.</a:t>
-            </a:r>
-          </a:p>
-          <a:p>
-            <a:r>
-              <a:rPr lang="en-US" dirty="0" smtClean="0"/>
-              <a:t>Nearly 1511 colleges are there in </a:t>
-            </a:r>
-            <a:r>
-              <a:rPr lang="en-US" dirty="0" err="1" smtClean="0"/>
-              <a:t>india</a:t>
-            </a:r>
-            <a:r>
-              <a:rPr lang="en-US" dirty="0" smtClean="0"/>
-              <a:t> and 200 students per college, which will account for </a:t>
-            </a:r>
-            <a:r>
-              <a:rPr lang="en-US" dirty="0" err="1" smtClean="0"/>
-              <a:t>arround</a:t>
-            </a:r>
-            <a:endParaRPr lang="en-US" dirty="0" smtClean="0"/>
-          </a:p>
-          <a:p>
-            <a:r>
-              <a:rPr lang="en-US" dirty="0" smtClean="0"/>
-              <a:t>1151*200 = </a:t>
-            </a:r>
-            <a:r>
-              <a:rPr lang="en-IN" dirty="0" smtClean="0">
-                <a:solidFill>
-                  <a:schemeClr val="tx1"/>
-                </a:solidFill>
-                <a:latin typeface="+mn-lt"/>
-                <a:ea typeface="+mn-ea"/>
-                <a:cs typeface="+mn-cs"/>
-              </a:rPr>
-              <a:t>230200 students every year.</a:t>
-            </a:r>
-          </a:p>
-          <a:p>
-            <a:r>
-              <a:rPr lang="en-US" dirty="0" smtClean="0"/>
-              <a:t>230200/2=115100 * 10rs =11511000 per year.</a:t>
+              <a:t>More investments less risk.</a:t>
             </a:r>
             <a:endParaRPr lang="en-IN" dirty="0"/>
           </a:p>
         </p:txBody>
       </p:sp>
     </p:spTree>
+    <p:extLst>
+      <p:ext uri="{BB962C8B-B14F-4D97-AF65-F5344CB8AC3E}">
+        <p14:creationId xmlns:p14="http://schemas.microsoft.com/office/powerpoint/2010/main" val="1521854358"/>
+      </p:ext>
+    </p:extLst>
   </p:cSld>
   <p:clrMapOvr>
     <a:masterClrMapping/>
@@ -5087,7 +4965,7 @@
           <a:p>
             <a:r>
               <a:rPr lang="en-US" dirty="0" smtClean="0"/>
-              <a:t>Future Scope</a:t>
+              <a:t>Future Build</a:t>
             </a:r>
             <a:endParaRPr lang="en-IN" dirty="0"/>
           </a:p>
@@ -5108,42 +4986,68 @@
           <a:bodyPr/>
           <a:lstStyle/>
           <a:p>
-            <a:r>
-              <a:rPr lang="en-US" dirty="0" smtClean="0"/>
-              <a:t>Few more additions.</a:t>
-            </a:r>
-          </a:p>
-          <a:p>
-            <a:r>
-              <a:rPr lang="en-US" dirty="0" smtClean="0"/>
-              <a:t>Complete web portal with back end handling brokers.</a:t>
-            </a:r>
-          </a:p>
-          <a:p>
-            <a:r>
-              <a:rPr lang="en-US" dirty="0" smtClean="0"/>
-              <a:t>Investment from students to Start-ups.</a:t>
-            </a:r>
-          </a:p>
-          <a:p>
-            <a:r>
-              <a:rPr lang="en-US" dirty="0" smtClean="0"/>
-              <a:t>More investments less risk.</a:t>
-            </a:r>
             <a:endParaRPr lang="en-IN" dirty="0"/>
           </a:p>
         </p:txBody>
       </p:sp>
+      <p:pic>
+        <p:nvPicPr>
+          <p:cNvPr id="1026" name="Picture 2" descr="C:\Users\Windows 8\Documents\GitHub\India-hacks\Working IndiaHacks\future2.png"/>
+          <p:cNvPicPr>
+            <a:picLocks noChangeAspect="1" noChangeArrowheads="1"/>
+          </p:cNvPicPr>
+          <p:nvPr/>
+        </p:nvPicPr>
+        <p:blipFill>
+          <a:blip r:embed="rId2">
+            <a:extLst>
+              <a:ext uri="{28A0092B-C50C-407E-A947-70E740481C1C}">
+                <a14:useLocalDpi xmlns:a14="http://schemas.microsoft.com/office/drawing/2010/main" val="0"/>
+              </a:ext>
+            </a:extLst>
+          </a:blip>
+          <a:srcRect/>
+          <a:stretch>
+            <a:fillRect/>
+          </a:stretch>
+        </p:blipFill>
+        <p:spPr bwMode="auto">
+          <a:xfrm>
+            <a:off x="1828800" y="1447800"/>
+            <a:ext cx="7010399" cy="4648200"/>
+          </a:xfrm>
+          <a:prstGeom prst="rect">
+            <a:avLst/>
+          </a:prstGeom>
+          <a:noFill/>
+          <a:extLst>
+            <a:ext uri="{909E8E84-426E-40DD-AFC4-6F175D3DCCD1}">
+              <a14:hiddenFill xmlns:a14="http://schemas.microsoft.com/office/drawing/2010/main">
+                <a:solidFill>
+                  <a:srgbClr val="FFFFFF"/>
+                </a:solidFill>
+              </a14:hiddenFill>
+            </a:ext>
+          </a:extLst>
+        </p:spPr>
+      </p:pic>
     </p:spTree>
     <p:extLst>
       <p:ext uri="{BB962C8B-B14F-4D97-AF65-F5344CB8AC3E}">
-        <p14:creationId xmlns:p14="http://schemas.microsoft.com/office/powerpoint/2010/main" val="1521854358"/>
+        <p14:creationId xmlns:p14="http://schemas.microsoft.com/office/powerpoint/2010/main" val="3782567102"/>
       </p:ext>
     </p:extLst>
   </p:cSld>
   <p:clrMapOvr>
     <a:masterClrMapping/>
   </p:clrMapOvr>
+  <p:timing>
+    <p:tnLst>
+      <p:par>
+        <p:cTn id="1" dur="indefinite" restart="never" nodeType="tmRoot"/>
+      </p:par>
+    </p:tnLst>
+  </p:timing>
 </p:sld>
 </file>
 
@@ -5181,7 +5085,7 @@
           <a:p>
             <a:r>
               <a:rPr lang="en-US" dirty="0" smtClean="0"/>
-              <a:t>Thank you</a:t>
+              <a:t>Future Build</a:t>
             </a:r>
             <a:endParaRPr lang="en-IN" dirty="0"/>
           </a:p>
@@ -5202,24 +5106,68 @@
           <a:bodyPr/>
           <a:lstStyle/>
           <a:p>
-            <a:r>
-              <a:rPr lang="en-US" dirty="0" smtClean="0"/>
-              <a:t>ANY Questions?</a:t>
-            </a:r>
             <a:endParaRPr lang="en-IN" dirty="0"/>
           </a:p>
         </p:txBody>
       </p:sp>
+      <p:pic>
+        <p:nvPicPr>
+          <p:cNvPr id="2050" name="Picture 2" descr="C:\Users\Windows 8\Documents\GitHub\India-hacks\Working IndiaHacks\Future1.png"/>
+          <p:cNvPicPr>
+            <a:picLocks noChangeAspect="1" noChangeArrowheads="1"/>
+          </p:cNvPicPr>
+          <p:nvPr/>
+        </p:nvPicPr>
+        <p:blipFill>
+          <a:blip r:embed="rId2">
+            <a:extLst>
+              <a:ext uri="{28A0092B-C50C-407E-A947-70E740481C1C}">
+                <a14:useLocalDpi xmlns:a14="http://schemas.microsoft.com/office/drawing/2010/main" val="0"/>
+              </a:ext>
+            </a:extLst>
+          </a:blip>
+          <a:srcRect/>
+          <a:stretch>
+            <a:fillRect/>
+          </a:stretch>
+        </p:blipFill>
+        <p:spPr bwMode="auto">
+          <a:xfrm>
+            <a:off x="1981200" y="1295400"/>
+            <a:ext cx="6934200" cy="4800600"/>
+          </a:xfrm>
+          <a:prstGeom prst="rect">
+            <a:avLst/>
+          </a:prstGeom>
+          <a:noFill/>
+          <a:extLst>
+            <a:ext uri="{909E8E84-426E-40DD-AFC4-6F175D3DCCD1}">
+              <a14:hiddenFill xmlns:a14="http://schemas.microsoft.com/office/drawing/2010/main">
+                <a:solidFill>
+                  <a:srgbClr val="FFFFFF"/>
+                </a:solidFill>
+              </a14:hiddenFill>
+            </a:ext>
+          </a:extLst>
+        </p:spPr>
+      </p:pic>
     </p:spTree>
     <p:extLst>
       <p:ext uri="{BB962C8B-B14F-4D97-AF65-F5344CB8AC3E}">
-        <p14:creationId xmlns:p14="http://schemas.microsoft.com/office/powerpoint/2010/main" val="3696573148"/>
+        <p14:creationId xmlns:p14="http://schemas.microsoft.com/office/powerpoint/2010/main" val="1865189716"/>
       </p:ext>
     </p:extLst>
   </p:cSld>
   <p:clrMapOvr>
     <a:masterClrMapping/>
   </p:clrMapOvr>
+  <p:timing>
+    <p:tnLst>
+      <p:par>
+        <p:cTn id="1" dur="indefinite" restart="never" nodeType="tmRoot"/>
+      </p:par>
+    </p:tnLst>
+  </p:timing>
 </p:sld>
 </file>
 
@@ -5242,9 +5190,9 @@
       </p:grpSpPr>
       <p:sp>
         <p:nvSpPr>
-          <p:cNvPr id="24578" name="Rectangle 2"/>
-          <p:cNvSpPr>
-            <a:spLocks noGrp="1" noChangeArrowheads="1"/>
+          <p:cNvPr id="2" name="Title 1"/>
+          <p:cNvSpPr>
+            <a:spLocks noGrp="1"/>
           </p:cNvSpPr>
           <p:nvPr>
             <p:ph type="title"/>
@@ -5256,20 +5204,21 @@
           <a:lstStyle/>
           <a:p>
             <a:r>
-              <a:rPr lang="en-IN"/>
-              <a:t>Financial Plan</a:t>
-            </a:r>
-          </a:p>
-        </p:txBody>
-      </p:sp>
-      <p:sp>
-        <p:nvSpPr>
-          <p:cNvPr id="24579" name="Rectangle 3"/>
-          <p:cNvSpPr>
-            <a:spLocks noGrp="1" noChangeArrowheads="1"/>
-          </p:cNvSpPr>
-          <p:nvPr>
-            <p:ph type="body" idx="1"/>
+              <a:rPr lang="en-US" dirty="0" smtClean="0"/>
+              <a:t>Thank you</a:t>
+            </a:r>
+            <a:endParaRPr lang="en-IN" dirty="0"/>
+          </a:p>
+        </p:txBody>
+      </p:sp>
+      <p:sp>
+        <p:nvSpPr>
+          <p:cNvPr id="3" name="Content Placeholder 2"/>
+          <p:cNvSpPr>
+            <a:spLocks noGrp="1"/>
+          </p:cNvSpPr>
+          <p:nvPr>
+            <p:ph idx="1"/>
           </p:nvPr>
         </p:nvSpPr>
         <p:spPr/>
@@ -5278,350 +5227,19 @@
           <a:lstStyle/>
           <a:p>
             <a:r>
-              <a:rPr lang="en-IN"/>
-              <a:t>Outline a high-level financial plan that defines your financial model and pricing assumptions. </a:t>
-            </a:r>
-          </a:p>
-          <a:p>
-            <a:pPr lvl="1"/>
-            <a:r>
-              <a:rPr lang="en-IN"/>
-              <a:t>This plan should include expected annual sales and profits for the next three years.</a:t>
-            </a:r>
-          </a:p>
-          <a:p>
-            <a:pPr lvl="1"/>
-            <a:r>
-              <a:rPr lang="en-IN"/>
-              <a:t>Use several slides to cover this material appropriately.</a:t>
-            </a:r>
+              <a:rPr lang="en-US" dirty="0" smtClean="0"/>
+              <a:t>ANY Questions?</a:t>
+            </a:r>
+            <a:endParaRPr lang="en-IN" dirty="0"/>
           </a:p>
         </p:txBody>
       </p:sp>
     </p:spTree>
-  </p:cSld>
-  <p:clrMapOvr>
-    <a:masterClrMapping/>
-  </p:clrMapOvr>
-  <p:timing>
-    <p:tnLst>
-      <p:par>
-        <p:cTn id="1" dur="indefinite" restart="never" nodeType="tmRoot"/>
-      </p:par>
-    </p:tnLst>
-  </p:timing>
-</p:sld>
-</file>
-
-<file path=ppt/slides/slide17.xml><?xml version="1.0" encoding="utf-8"?>
-<p:sld xmlns:a="http://schemas.openxmlformats.org/drawingml/2006/main" xmlns:r="http://schemas.openxmlformats.org/officeDocument/2006/relationships" xmlns:p="http://schemas.openxmlformats.org/presentationml/2006/main">
-  <p:cSld>
-    <p:spTree>
-      <p:nvGrpSpPr>
-        <p:cNvPr id="1" name=""/>
-        <p:cNvGrpSpPr/>
-        <p:nvPr/>
-      </p:nvGrpSpPr>
-      <p:grpSpPr>
-        <a:xfrm>
-          <a:off x="0" y="0"/>
-          <a:ext cx="0" cy="0"/>
-          <a:chOff x="0" y="0"/>
-          <a:chExt cx="0" cy="0"/>
-        </a:xfrm>
-      </p:grpSpPr>
-      <p:sp>
-        <p:nvSpPr>
-          <p:cNvPr id="25602" name="Rectangle 2"/>
-          <p:cNvSpPr>
-            <a:spLocks noGrp="1" noChangeArrowheads="1"/>
-          </p:cNvSpPr>
-          <p:nvPr>
-            <p:ph type="title"/>
-          </p:nvPr>
-        </p:nvSpPr>
-        <p:spPr/>
-        <p:txBody>
-          <a:bodyPr/>
-          <a:lstStyle/>
-          <a:p>
-            <a:r>
-              <a:rPr lang="en-IN"/>
-              <a:t>Resource Requirements</a:t>
-            </a:r>
-          </a:p>
-        </p:txBody>
-      </p:sp>
-      <p:sp>
-        <p:nvSpPr>
-          <p:cNvPr id="25603" name="Rectangle 3"/>
-          <p:cNvSpPr>
-            <a:spLocks noGrp="1" noChangeArrowheads="1"/>
-          </p:cNvSpPr>
-          <p:nvPr>
-            <p:ph type="body" idx="1"/>
-          </p:nvPr>
-        </p:nvSpPr>
-        <p:spPr/>
-        <p:txBody>
-          <a:bodyPr/>
-          <a:lstStyle/>
-          <a:p>
-            <a:r>
-              <a:rPr lang="en-IN"/>
-              <a:t>List requirements for the following resources:</a:t>
-            </a:r>
-          </a:p>
-          <a:p>
-            <a:pPr lvl="1"/>
-            <a:r>
-              <a:rPr lang="en-IN"/>
-              <a:t>Personnel</a:t>
-            </a:r>
-          </a:p>
-          <a:p>
-            <a:pPr lvl="1"/>
-            <a:r>
-              <a:rPr lang="en-IN"/>
-              <a:t>Technology</a:t>
-            </a:r>
-          </a:p>
-          <a:p>
-            <a:pPr lvl="1"/>
-            <a:r>
-              <a:rPr lang="en-IN"/>
-              <a:t>Finances</a:t>
-            </a:r>
-          </a:p>
-          <a:p>
-            <a:pPr lvl="1"/>
-            <a:r>
-              <a:rPr lang="en-IN"/>
-              <a:t>Distribution</a:t>
-            </a:r>
-          </a:p>
-          <a:p>
-            <a:pPr lvl="1"/>
-            <a:r>
-              <a:rPr lang="en-IN"/>
-              <a:t>Promotion</a:t>
-            </a:r>
-          </a:p>
-          <a:p>
-            <a:pPr lvl="1"/>
-            <a:r>
-              <a:rPr lang="en-IN"/>
-              <a:t>Products</a:t>
-            </a:r>
-          </a:p>
-          <a:p>
-            <a:pPr lvl="1"/>
-            <a:r>
-              <a:rPr lang="en-IN"/>
-              <a:t>Services</a:t>
-            </a:r>
-          </a:p>
-        </p:txBody>
-      </p:sp>
-    </p:spTree>
-  </p:cSld>
-  <p:clrMapOvr>
-    <a:masterClrMapping/>
-  </p:clrMapOvr>
-  <p:timing>
-    <p:tnLst>
-      <p:par>
-        <p:cTn id="1" dur="indefinite" restart="never" nodeType="tmRoot"/>
-      </p:par>
-    </p:tnLst>
-  </p:timing>
-</p:sld>
-</file>
-
-<file path=ppt/slides/slide18.xml><?xml version="1.0" encoding="utf-8"?>
-<p:sld xmlns:a="http://schemas.openxmlformats.org/drawingml/2006/main" xmlns:r="http://schemas.openxmlformats.org/officeDocument/2006/relationships" xmlns:p="http://schemas.openxmlformats.org/presentationml/2006/main">
-  <p:cSld>
-    <p:spTree>
-      <p:nvGrpSpPr>
-        <p:cNvPr id="1" name=""/>
-        <p:cNvGrpSpPr/>
-        <p:nvPr/>
-      </p:nvGrpSpPr>
-      <p:grpSpPr>
-        <a:xfrm>
-          <a:off x="0" y="0"/>
-          <a:ext cx="0" cy="0"/>
-          <a:chOff x="0" y="0"/>
-          <a:chExt cx="0" cy="0"/>
-        </a:xfrm>
-      </p:grpSpPr>
-      <p:sp>
-        <p:nvSpPr>
-          <p:cNvPr id="26626" name="Rectangle 2"/>
-          <p:cNvSpPr>
-            <a:spLocks noGrp="1" noChangeArrowheads="1"/>
-          </p:cNvSpPr>
-          <p:nvPr>
-            <p:ph type="title"/>
-          </p:nvPr>
-        </p:nvSpPr>
-        <p:spPr/>
-        <p:txBody>
-          <a:bodyPr/>
-          <a:lstStyle/>
-          <a:p>
-            <a:r>
-              <a:rPr lang="en-IN"/>
-              <a:t>Risks and Rewards</a:t>
-            </a:r>
-          </a:p>
-        </p:txBody>
-      </p:sp>
-      <p:sp>
-        <p:nvSpPr>
-          <p:cNvPr id="26627" name="Rectangle 3"/>
-          <p:cNvSpPr>
-            <a:spLocks noGrp="1" noChangeArrowheads="1"/>
-          </p:cNvSpPr>
-          <p:nvPr>
-            <p:ph type="body" idx="1"/>
-          </p:nvPr>
-        </p:nvSpPr>
-        <p:spPr/>
-        <p:txBody>
-          <a:bodyPr/>
-          <a:lstStyle/>
-          <a:p>
-            <a:r>
-              <a:rPr lang="en-IN"/>
-              <a:t>Summarize the risks of the proposed project and how they will be addressed.</a:t>
-            </a:r>
-          </a:p>
-          <a:p>
-            <a:r>
-              <a:rPr lang="en-IN"/>
-              <a:t>Estimate expected rewards, particularly if you are seeking funding.</a:t>
-            </a:r>
-          </a:p>
-        </p:txBody>
-      </p:sp>
-    </p:spTree>
-  </p:cSld>
-  <p:clrMapOvr>
-    <a:masterClrMapping/>
-  </p:clrMapOvr>
-  <p:timing>
-    <p:tnLst>
-      <p:par>
-        <p:cTn id="1" dur="indefinite" restart="never" nodeType="tmRoot"/>
-      </p:par>
-    </p:tnLst>
-  </p:timing>
-</p:sld>
-</file>
-
-<file path=ppt/slides/slide19.xml><?xml version="1.0" encoding="utf-8"?>
-<p:sld xmlns:a="http://schemas.openxmlformats.org/drawingml/2006/main" xmlns:r="http://schemas.openxmlformats.org/officeDocument/2006/relationships" xmlns:p="http://schemas.openxmlformats.org/presentationml/2006/main">
-  <p:cSld>
-    <p:spTree>
-      <p:nvGrpSpPr>
-        <p:cNvPr id="1" name=""/>
-        <p:cNvGrpSpPr/>
-        <p:nvPr/>
-      </p:nvGrpSpPr>
-      <p:grpSpPr>
-        <a:xfrm>
-          <a:off x="0" y="0"/>
-          <a:ext cx="0" cy="0"/>
-          <a:chOff x="0" y="0"/>
-          <a:chExt cx="0" cy="0"/>
-        </a:xfrm>
-      </p:grpSpPr>
-      <p:sp>
-        <p:nvSpPr>
-          <p:cNvPr id="27650" name="Rectangle 2"/>
-          <p:cNvSpPr>
-            <a:spLocks noGrp="1" noChangeArrowheads="1"/>
-          </p:cNvSpPr>
-          <p:nvPr>
-            <p:ph type="title"/>
-          </p:nvPr>
-        </p:nvSpPr>
-        <p:spPr/>
-        <p:txBody>
-          <a:bodyPr/>
-          <a:lstStyle/>
-          <a:p>
-            <a:r>
-              <a:rPr lang="en-IN"/>
-              <a:t>Key Issues</a:t>
-            </a:r>
-          </a:p>
-        </p:txBody>
-      </p:sp>
-      <p:sp>
-        <p:nvSpPr>
-          <p:cNvPr id="27651" name="Rectangle 3"/>
-          <p:cNvSpPr>
-            <a:spLocks noGrp="1" noChangeArrowheads="1"/>
-          </p:cNvSpPr>
-          <p:nvPr>
-            <p:ph type="body" idx="1"/>
-          </p:nvPr>
-        </p:nvSpPr>
-        <p:spPr/>
-        <p:txBody>
-          <a:bodyPr/>
-          <a:lstStyle/>
-          <a:p>
-            <a:r>
-              <a:rPr lang="en-IN"/>
-              <a:t>Near term</a:t>
-            </a:r>
-          </a:p>
-          <a:p>
-            <a:pPr lvl="1"/>
-            <a:r>
-              <a:rPr lang="en-IN"/>
-              <a:t>Identify key decisions and issues that need immediate or near-term resolution.</a:t>
-            </a:r>
-          </a:p>
-          <a:p>
-            <a:pPr lvl="1"/>
-            <a:r>
-              <a:rPr lang="en-IN"/>
-              <a:t>State consequences of decision postponement.</a:t>
-            </a:r>
-          </a:p>
-          <a:p>
-            <a:r>
-              <a:rPr lang="en-IN"/>
-              <a:t>Long term</a:t>
-            </a:r>
-          </a:p>
-          <a:p>
-            <a:pPr lvl="1"/>
-            <a:r>
-              <a:rPr lang="en-IN"/>
-              <a:t>Identify issues needing long-term resolution.</a:t>
-            </a:r>
-          </a:p>
-          <a:p>
-            <a:pPr lvl="1"/>
-            <a:r>
-              <a:rPr lang="en-IN"/>
-              <a:t>State consequences of decision postponement.</a:t>
-            </a:r>
-          </a:p>
-          <a:p>
-            <a:r>
-              <a:rPr lang="en-IN"/>
-              <a:t>If you are seeking funding, be specific about any issues that require financial resources for resolution.</a:t>
-            </a:r>
-          </a:p>
-        </p:txBody>
-      </p:sp>
-    </p:spTree>
+    <p:extLst>
+      <p:ext uri="{BB962C8B-B14F-4D97-AF65-F5344CB8AC3E}">
+        <p14:creationId xmlns:p14="http://schemas.microsoft.com/office/powerpoint/2010/main" val="3696573148"/>
+      </p:ext>
+    </p:extLst>
   </p:cSld>
   <p:clrMapOvr>
     <a:masterClrMapping/>
@@ -5670,7 +5288,7 @@
           <a:p>
             <a:r>
               <a:rPr lang="en-IN" dirty="0" smtClean="0"/>
-              <a:t>INTRODUCTION</a:t>
+              <a:t>Introduction</a:t>
             </a:r>
             <a:endParaRPr lang="en-IN" dirty="0"/>
           </a:p>
@@ -5889,7 +5507,7 @@
       </p:grpSpPr>
       <p:sp>
         <p:nvSpPr>
-          <p:cNvPr id="18434" name="Rectangle 2"/>
+          <p:cNvPr id="19458" name="Rectangle 2"/>
           <p:cNvSpPr>
             <a:spLocks noGrp="1" noChangeArrowheads="1"/>
           </p:cNvSpPr>
@@ -5903,15 +5521,16 @@
           <a:lstStyle/>
           <a:p>
             <a:r>
-              <a:rPr lang="en-IN" dirty="0"/>
-              <a:t>The Team</a:t>
-            </a:r>
-          </a:p>
-        </p:txBody>
-      </p:sp>
-      <p:sp>
-        <p:nvSpPr>
-          <p:cNvPr id="18435" name="Rectangle 3"/>
+              <a:rPr lang="en-IN" dirty="0" smtClean="0"/>
+              <a:t>Problem being solved</a:t>
+            </a:r>
+            <a:endParaRPr lang="en-IN" dirty="0"/>
+          </a:p>
+        </p:txBody>
+      </p:sp>
+      <p:sp>
+        <p:nvSpPr>
+          <p:cNvPr id="19459" name="Rectangle 3"/>
           <p:cNvSpPr>
             <a:spLocks noGrp="1" noChangeArrowheads="1"/>
           </p:cNvSpPr>
@@ -5925,21 +5544,30 @@
           <a:lstStyle/>
           <a:p>
             <a:r>
-              <a:rPr lang="en-IN"/>
-              <a:t>List CEO and key management by name.</a:t>
-            </a:r>
-          </a:p>
-          <a:p>
-            <a:r>
-              <a:rPr lang="en-IN"/>
-              <a:t>Include previous accomplishments to show that these are people with a record of success.</a:t>
-            </a:r>
-          </a:p>
-          <a:p>
-            <a:r>
-              <a:rPr lang="en-IN"/>
-              <a:t>Summarize number of years of experience in this field.</a:t>
-            </a:r>
+              <a:rPr lang="en-US" dirty="0" smtClean="0"/>
+              <a:t>An knowledge bridge between students and stock exchange.</a:t>
+            </a:r>
+          </a:p>
+          <a:p>
+            <a:r>
+              <a:rPr lang="en-US" dirty="0" smtClean="0"/>
+              <a:t>Measuring and controlling the Risk by analysis using parse API’s and </a:t>
+            </a:r>
+            <a:r>
+              <a:rPr lang="en-US" dirty="0" err="1" smtClean="0"/>
+              <a:t>google</a:t>
+            </a:r>
+            <a:r>
+              <a:rPr lang="en-US" dirty="0" smtClean="0"/>
+              <a:t> chart API’s.</a:t>
+            </a:r>
+          </a:p>
+          <a:p>
+            <a:r>
+              <a:rPr lang="en-US" dirty="0" smtClean="0"/>
+              <a:t>Educating Students for better money control’s.</a:t>
+            </a:r>
+            <a:endParaRPr lang="en-IN" dirty="0"/>
           </a:p>
         </p:txBody>
       </p:sp>
@@ -5977,7 +5605,7 @@
       </p:grpSpPr>
       <p:sp>
         <p:nvSpPr>
-          <p:cNvPr id="19458" name="Rectangle 2"/>
+          <p:cNvPr id="20482" name="Rectangle 2"/>
           <p:cNvSpPr>
             <a:spLocks noGrp="1" noChangeArrowheads="1"/>
           </p:cNvSpPr>
@@ -5992,7 +5620,7 @@
           <a:p>
             <a:r>
               <a:rPr lang="en-IN" dirty="0" smtClean="0"/>
-              <a:t>Problem being solved</a:t>
+              <a:t>Technology Stack</a:t>
             </a:r>
             <a:endParaRPr lang="en-IN" dirty="0"/>
           </a:p>
@@ -6000,7 +5628,7 @@
       </p:sp>
       <p:sp>
         <p:nvSpPr>
-          <p:cNvPr id="19459" name="Rectangle 3"/>
+          <p:cNvPr id="20483" name="Rectangle 3"/>
           <p:cNvSpPr>
             <a:spLocks noGrp="1" noChangeArrowheads="1"/>
           </p:cNvSpPr>
@@ -6013,31 +5641,138 @@
           <a:bodyPr/>
           <a:lstStyle/>
           <a:p>
+            <a:pPr>
+              <a:lnSpc>
+                <a:spcPct val="100000"/>
+              </a:lnSpc>
+            </a:pPr>
             <a:r>
               <a:rPr lang="en-US" dirty="0" smtClean="0"/>
-              <a:t>An knowledge bridge between students and stock exchange.</a:t>
-            </a:r>
-          </a:p>
-          <a:p>
+              <a:t>Can be listed in 2 </a:t>
+            </a:r>
             <a:r>
               <a:rPr lang="en-US" dirty="0" smtClean="0"/>
-              <a:t>Measuring and controlling the Risk by analysis using parse API’s and </a:t>
-            </a:r>
+              <a:t>topics</a:t>
+            </a:r>
+            <a:r>
+              <a:rPr lang="en-US" dirty="0" smtClean="0"/>
+              <a:t>.</a:t>
+            </a:r>
+          </a:p>
+          <a:p>
+            <a:pPr>
+              <a:lnSpc>
+                <a:spcPct val="100000"/>
+              </a:lnSpc>
+            </a:pPr>
+            <a:r>
+              <a:rPr lang="en-US" dirty="0" smtClean="0"/>
+              <a:t>One, Front-End</a:t>
+            </a:r>
+          </a:p>
+          <a:p>
+            <a:pPr lvl="1">
+              <a:lnSpc>
+                <a:spcPct val="100000"/>
+              </a:lnSpc>
+            </a:pPr>
+            <a:r>
+              <a:rPr lang="en-US" dirty="0" smtClean="0"/>
+              <a:t>Android app</a:t>
+            </a:r>
+          </a:p>
+          <a:p>
+            <a:pPr lvl="1">
+              <a:lnSpc>
+                <a:spcPct val="100000"/>
+              </a:lnSpc>
+            </a:pPr>
+            <a:r>
+              <a:rPr lang="en-US" dirty="0" smtClean="0"/>
+              <a:t>Android bootstrap</a:t>
+            </a:r>
+          </a:p>
+          <a:p>
+            <a:pPr lvl="1">
+              <a:lnSpc>
+                <a:spcPct val="100000"/>
+              </a:lnSpc>
+            </a:pPr>
+            <a:r>
+              <a:rPr lang="en-US" dirty="0" smtClean="0"/>
+              <a:t>Web application</a:t>
+            </a:r>
+          </a:p>
+          <a:p>
+            <a:pPr lvl="1">
+              <a:lnSpc>
+                <a:spcPct val="100000"/>
+              </a:lnSpc>
+            </a:pPr>
             <a:r>
               <a:rPr lang="en-US" dirty="0" err="1" smtClean="0"/>
-              <a:t>google</a:t>
-            </a:r>
+              <a:t>Javascript</a:t>
+            </a:r>
+            <a:endParaRPr lang="en-IN" dirty="0" smtClean="0"/>
+          </a:p>
+          <a:p>
+            <a:pPr lvl="1">
+              <a:lnSpc>
+                <a:spcPct val="100000"/>
+              </a:lnSpc>
+            </a:pPr>
+            <a:r>
+              <a:rPr lang="en-IN" dirty="0" err="1"/>
+              <a:t>mp</a:t>
+            </a:r>
+            <a:r>
+              <a:rPr lang="en-IN" dirty="0"/>
+              <a:t> android </a:t>
+            </a:r>
+            <a:r>
+              <a:rPr lang="en-IN" dirty="0" smtClean="0"/>
+              <a:t>charts</a:t>
+            </a:r>
+          </a:p>
+          <a:p>
+            <a:pPr lvl="1">
+              <a:lnSpc>
+                <a:spcPct val="100000"/>
+              </a:lnSpc>
+            </a:pPr>
             <a:r>
               <a:rPr lang="en-US" dirty="0" smtClean="0"/>
-              <a:t> chart API’s.</a:t>
-            </a:r>
-          </a:p>
-          <a:p>
+              <a:t>Stock details by yahoo.</a:t>
+            </a:r>
+            <a:endParaRPr lang="en-US" dirty="0" smtClean="0"/>
+          </a:p>
+          <a:p>
+            <a:pPr>
+              <a:lnSpc>
+                <a:spcPct val="100000"/>
+              </a:lnSpc>
+            </a:pPr>
             <a:r>
               <a:rPr lang="en-US" dirty="0" smtClean="0"/>
-              <a:t>Educating Students for better money control’s.</a:t>
-            </a:r>
-            <a:endParaRPr lang="en-IN" dirty="0"/>
+              <a:t>Second, Back-end</a:t>
+            </a:r>
+          </a:p>
+          <a:p>
+            <a:pPr lvl="1">
+              <a:lnSpc>
+                <a:spcPct val="100000"/>
+              </a:lnSpc>
+            </a:pPr>
+            <a:r>
+              <a:rPr lang="en-US" dirty="0" smtClean="0"/>
+              <a:t>Parse API calls.</a:t>
+            </a:r>
+          </a:p>
+          <a:p>
+            <a:pPr marL="457200" lvl="1" indent="0">
+              <a:buNone/>
+            </a:pPr>
+            <a:endParaRPr lang="en-US" dirty="0" smtClean="0"/>
           </a:p>
         </p:txBody>
       </p:sp>
@@ -6057,157 +5792,6 @@
 </file>
 
 <file path=ppt/slides/slide6.xml><?xml version="1.0" encoding="utf-8"?>
-<p:sld xmlns:a="http://schemas.openxmlformats.org/drawingml/2006/main" xmlns:r="http://schemas.openxmlformats.org/officeDocument/2006/relationships" xmlns:p="http://schemas.openxmlformats.org/presentationml/2006/main">
-  <p:cSld>
-    <p:spTree>
-      <p:nvGrpSpPr>
-        <p:cNvPr id="1" name=""/>
-        <p:cNvGrpSpPr/>
-        <p:nvPr/>
-      </p:nvGrpSpPr>
-      <p:grpSpPr>
-        <a:xfrm>
-          <a:off x="0" y="0"/>
-          <a:ext cx="0" cy="0"/>
-          <a:chOff x="0" y="0"/>
-          <a:chExt cx="0" cy="0"/>
-        </a:xfrm>
-      </p:grpSpPr>
-      <p:sp>
-        <p:nvSpPr>
-          <p:cNvPr id="20482" name="Rectangle 2"/>
-          <p:cNvSpPr>
-            <a:spLocks noGrp="1" noChangeArrowheads="1"/>
-          </p:cNvSpPr>
-          <p:nvPr>
-            <p:ph type="title"/>
-          </p:nvPr>
-        </p:nvSpPr>
-        <p:spPr/>
-        <p:txBody>
-          <a:bodyPr/>
-          <a:lstStyle/>
-          <a:p>
-            <a:r>
-              <a:rPr lang="en-IN" dirty="0" smtClean="0"/>
-              <a:t>Technology Stack</a:t>
-            </a:r>
-            <a:endParaRPr lang="en-IN" dirty="0"/>
-          </a:p>
-        </p:txBody>
-      </p:sp>
-      <p:sp>
-        <p:nvSpPr>
-          <p:cNvPr id="20483" name="Rectangle 3"/>
-          <p:cNvSpPr>
-            <a:spLocks noGrp="1" noChangeArrowheads="1"/>
-          </p:cNvSpPr>
-          <p:nvPr>
-            <p:ph type="body" idx="1"/>
-          </p:nvPr>
-        </p:nvSpPr>
-        <p:spPr/>
-        <p:txBody>
-          <a:bodyPr/>
-          <a:lstStyle/>
-          <a:p>
-            <a:r>
-              <a:rPr lang="en-US" dirty="0" smtClean="0"/>
-              <a:t>Can be listed in 2 </a:t>
-            </a:r>
-            <a:r>
-              <a:rPr lang="en-US" dirty="0" err="1" smtClean="0"/>
-              <a:t>toppics</a:t>
-            </a:r>
-            <a:r>
-              <a:rPr lang="en-US" dirty="0" smtClean="0"/>
-              <a:t>.</a:t>
-            </a:r>
-          </a:p>
-          <a:p>
-            <a:r>
-              <a:rPr lang="en-US" dirty="0" smtClean="0"/>
-              <a:t>One, Front-End</a:t>
-            </a:r>
-          </a:p>
-          <a:p>
-            <a:pPr lvl="1"/>
-            <a:r>
-              <a:rPr lang="en-US" dirty="0" smtClean="0"/>
-              <a:t>Android app</a:t>
-            </a:r>
-          </a:p>
-          <a:p>
-            <a:pPr lvl="1"/>
-            <a:r>
-              <a:rPr lang="en-US" dirty="0" smtClean="0"/>
-              <a:t>Android bootstrap</a:t>
-            </a:r>
-          </a:p>
-          <a:p>
-            <a:pPr lvl="1"/>
-            <a:r>
-              <a:rPr lang="en-US" dirty="0" smtClean="0"/>
-              <a:t>Web application</a:t>
-            </a:r>
-          </a:p>
-          <a:p>
-            <a:pPr lvl="1"/>
-            <a:r>
-              <a:rPr lang="en-US" dirty="0" err="1" smtClean="0"/>
-              <a:t>Javascript</a:t>
-            </a:r>
-            <a:endParaRPr lang="en-IN" dirty="0" smtClean="0"/>
-          </a:p>
-          <a:p>
-            <a:pPr lvl="1"/>
-            <a:r>
-              <a:rPr lang="en-US" dirty="0" err="1" smtClean="0"/>
-              <a:t>Second,Back</a:t>
-            </a:r>
-            <a:r>
-              <a:rPr lang="en-US" dirty="0" smtClean="0"/>
-              <a:t>-end</a:t>
-            </a:r>
-            <a:endParaRPr lang="en-US" dirty="0" smtClean="0"/>
-          </a:p>
-          <a:p>
-            <a:r>
-              <a:rPr lang="en-US" dirty="0" smtClean="0"/>
-              <a:t>Second, Back-end</a:t>
-            </a:r>
-          </a:p>
-          <a:p>
-            <a:pPr lvl="1"/>
-            <a:r>
-              <a:rPr lang="en-US" dirty="0" smtClean="0"/>
-              <a:t>Parse API calls.</a:t>
-            </a:r>
-          </a:p>
-          <a:p>
-            <a:pPr marL="457200" lvl="1" indent="0">
-              <a:buNone/>
-            </a:pPr>
-            <a:endParaRPr lang="en-US" dirty="0" smtClean="0"/>
-          </a:p>
-        </p:txBody>
-      </p:sp>
-    </p:spTree>
-  </p:cSld>
-  <p:clrMapOvr>
-    <a:masterClrMapping/>
-  </p:clrMapOvr>
-  <p:timing>
-    <p:tnLst>
-      <p:par>
-        <p:cTn id="1" dur="indefinite" restart="never" nodeType="tmRoot"/>
-      </p:par>
-    </p:tnLst>
-  </p:timing>
-</p:sld>
-</file>
-
-<file path=ppt/slides/slide7.xml><?xml version="1.0" encoding="utf-8"?>
 <p:sld xmlns:a="http://schemas.openxmlformats.org/drawingml/2006/main" xmlns:r="http://schemas.openxmlformats.org/officeDocument/2006/relationships" xmlns:p="http://schemas.openxmlformats.org/presentationml/2006/main">
   <p:cSld>
     <p:spTree>
@@ -6363,7 +5947,7 @@
 </p:sld>
 </file>
 
-<file path=ppt/slides/slide8.xml><?xml version="1.0" encoding="utf-8"?>
+<file path=ppt/slides/slide7.xml><?xml version="1.0" encoding="utf-8"?>
 <p:sld xmlns:a="http://schemas.openxmlformats.org/drawingml/2006/main" xmlns:r="http://schemas.openxmlformats.org/officeDocument/2006/relationships" xmlns:p="http://schemas.openxmlformats.org/presentationml/2006/main">
   <p:cSld>
     <p:spTree>
@@ -6524,7 +6108,7 @@
 </p:sld>
 </file>
 
-<file path=ppt/slides/slide9.xml><?xml version="1.0" encoding="utf-8"?>
+<file path=ppt/slides/slide8.xml><?xml version="1.0" encoding="utf-8"?>
 <p:sld xmlns:a="http://schemas.openxmlformats.org/drawingml/2006/main" xmlns:r="http://schemas.openxmlformats.org/officeDocument/2006/relationships" xmlns:p="http://schemas.openxmlformats.org/presentationml/2006/main">
   <p:cSld>
     <p:spTree>
@@ -6658,6 +6242,133 @@
   <p:clrMapOvr>
     <a:masterClrMapping/>
   </p:clrMapOvr>
+  <p:timing>
+    <p:tnLst>
+      <p:par>
+        <p:cTn id="1" dur="indefinite" restart="never" nodeType="tmRoot"/>
+      </p:par>
+    </p:tnLst>
+  </p:timing>
+</p:sld>
+</file>
+
+<file path=ppt/slides/slide9.xml><?xml version="1.0" encoding="utf-8"?>
+<p:sld xmlns:a="http://schemas.openxmlformats.org/drawingml/2006/main" xmlns:r="http://schemas.openxmlformats.org/officeDocument/2006/relationships" xmlns:p="http://schemas.openxmlformats.org/presentationml/2006/main">
+  <p:cSld>
+    <p:spTree>
+      <p:nvGrpSpPr>
+        <p:cNvPr id="1" name=""/>
+        <p:cNvGrpSpPr/>
+        <p:nvPr/>
+      </p:nvGrpSpPr>
+      <p:grpSpPr>
+        <a:xfrm>
+          <a:off x="0" y="0"/>
+          <a:ext cx="0" cy="0"/>
+          <a:chOff x="0" y="0"/>
+          <a:chExt cx="0" cy="0"/>
+        </a:xfrm>
+      </p:grpSpPr>
+      <p:sp>
+        <p:nvSpPr>
+          <p:cNvPr id="2" name="Title 1"/>
+          <p:cNvSpPr>
+            <a:spLocks noGrp="1"/>
+          </p:cNvSpPr>
+          <p:nvPr>
+            <p:ph type="title"/>
+          </p:nvPr>
+        </p:nvSpPr>
+        <p:spPr/>
+        <p:txBody>
+          <a:bodyPr/>
+          <a:lstStyle/>
+          <a:p>
+            <a:r>
+              <a:rPr lang="en-US" dirty="0" smtClean="0"/>
+              <a:t>Screenshots</a:t>
+            </a:r>
+            <a:endParaRPr lang="en-IN" dirty="0"/>
+          </a:p>
+        </p:txBody>
+      </p:sp>
+      <p:sp>
+        <p:nvSpPr>
+          <p:cNvPr id="3" name="Content Placeholder 2"/>
+          <p:cNvSpPr>
+            <a:spLocks noGrp="1"/>
+          </p:cNvSpPr>
+          <p:nvPr>
+            <p:ph idx="1"/>
+          </p:nvPr>
+        </p:nvSpPr>
+        <p:spPr/>
+        <p:txBody>
+          <a:bodyPr/>
+          <a:lstStyle/>
+          <a:p>
+            <a:endParaRPr lang="en-IN"/>
+          </a:p>
+        </p:txBody>
+      </p:sp>
+      <p:pic>
+        <p:nvPicPr>
+          <p:cNvPr id="69634" name="Picture 2" descr="C:\Users\Windows 8\Desktop\BullStock\Working IndiaHacks\Images\webImg1.png"/>
+          <p:cNvPicPr>
+            <a:picLocks noChangeAspect="1" noChangeArrowheads="1"/>
+          </p:cNvPicPr>
+          <p:nvPr/>
+        </p:nvPicPr>
+        <p:blipFill>
+          <a:blip r:embed="rId2">
+            <a:extLst>
+              <a:ext uri="{28A0092B-C50C-407E-A947-70E740481C1C}">
+                <a14:useLocalDpi xmlns:a14="http://schemas.microsoft.com/office/drawing/2010/main" val="0"/>
+              </a:ext>
+            </a:extLst>
+          </a:blip>
+          <a:srcRect/>
+          <a:stretch>
+            <a:fillRect/>
+          </a:stretch>
+        </p:blipFill>
+        <p:spPr bwMode="auto">
+          <a:xfrm>
+            <a:off x="1905000" y="1447800"/>
+            <a:ext cx="6962775" cy="4800600"/>
+          </a:xfrm>
+          <a:prstGeom prst="rect">
+            <a:avLst/>
+          </a:prstGeom>
+          <a:noFill/>
+          <a:extLst>
+            <a:ext uri="{909E8E84-426E-40DD-AFC4-6F175D3DCCD1}">
+              <a14:hiddenFill xmlns:a14="http://schemas.microsoft.com/office/drawing/2010/main">
+                <a:solidFill>
+                  <a:srgbClr val="FFFFFF"/>
+                </a:solidFill>
+              </a14:hiddenFill>
+            </a:ext>
+          </a:extLst>
+        </p:spPr>
+      </p:pic>
+    </p:spTree>
+    <p:extLst>
+      <p:ext uri="{BB962C8B-B14F-4D97-AF65-F5344CB8AC3E}">
+        <p14:creationId xmlns:p14="http://schemas.microsoft.com/office/powerpoint/2010/main" val="1720226588"/>
+      </p:ext>
+    </p:extLst>
+  </p:cSld>
+  <p:clrMapOvr>
+    <a:masterClrMapping/>
+  </p:clrMapOvr>
+  <p:timing>
+    <p:tnLst>
+      <p:par>
+        <p:cTn id="1" dur="indefinite" restart="never" nodeType="tmRoot"/>
+      </p:par>
+    </p:tnLst>
+  </p:timing>
 </p:sld>
 </file>
 
